--- a/George Sylva CIFAR-100 Image Classification Web App.pptx
+++ b/George Sylva CIFAR-100 Image Classification Web App.pptx
@@ -116,6 +116,11 @@
       </a:defRPr>
     </a:lvl9pPr>
   </p:defaultTextStyle>
+  <p:extLst>
+    <p:ext uri="{EFAFB233-063F-42B5-8137-9DF3F51BA10A}">
+      <p15:sldGuideLst xmlns:p15="http://schemas.microsoft.com/office/powerpoint/2012/main"/>
+    </p:ext>
+  </p:extLst>
 </p:presentation>
 </file>
 
@@ -3562,7 +3567,7 @@
           <a:p>
             <a:fld id="{691ECAE5-A506-4680-8454-D646745C9DFC}" type="datetimeFigureOut">
               <a:rPr lang="en-US" smtClean="0"/>
-              <a:t>12/15/2024</a:t>
+              <a:t>12/20/2024</a:t>
             </a:fld>
             <a:endParaRPr lang="en-US"/>
           </a:p>
@@ -3813,7 +3818,7 @@
           <a:p>
             <a:fld id="{691ECAE5-A506-4680-8454-D646745C9DFC}" type="datetimeFigureOut">
               <a:rPr lang="en-US" smtClean="0"/>
-              <a:t>12/15/2024</a:t>
+              <a:t>12/20/2024</a:t>
             </a:fld>
             <a:endParaRPr lang="en-US"/>
           </a:p>
@@ -4127,7 +4132,7 @@
           <a:p>
             <a:fld id="{691ECAE5-A506-4680-8454-D646745C9DFC}" type="datetimeFigureOut">
               <a:rPr lang="en-US" smtClean="0"/>
-              <a:t>12/15/2024</a:t>
+              <a:t>12/20/2024</a:t>
             </a:fld>
             <a:endParaRPr lang="en-US"/>
           </a:p>
@@ -4468,7 +4473,7 @@
           <a:p>
             <a:fld id="{691ECAE5-A506-4680-8454-D646745C9DFC}" type="datetimeFigureOut">
               <a:rPr lang="en-US" smtClean="0"/>
-              <a:t>12/15/2024</a:t>
+              <a:t>12/20/2024</a:t>
             </a:fld>
             <a:endParaRPr lang="en-US"/>
           </a:p>
@@ -4782,7 +4787,7 @@
           <a:p>
             <a:fld id="{691ECAE5-A506-4680-8454-D646745C9DFC}" type="datetimeFigureOut">
               <a:rPr lang="en-US" smtClean="0"/>
-              <a:t>12/15/2024</a:t>
+              <a:t>12/20/2024</a:t>
             </a:fld>
             <a:endParaRPr lang="en-US"/>
           </a:p>
@@ -5175,7 +5180,7 @@
           <a:p>
             <a:fld id="{691ECAE5-A506-4680-8454-D646745C9DFC}" type="datetimeFigureOut">
               <a:rPr lang="en-US" smtClean="0"/>
-              <a:t>12/15/2024</a:t>
+              <a:t>12/20/2024</a:t>
             </a:fld>
             <a:endParaRPr lang="en-US"/>
           </a:p>
@@ -5345,7 +5350,7 @@
           <a:p>
             <a:fld id="{691ECAE5-A506-4680-8454-D646745C9DFC}" type="datetimeFigureOut">
               <a:rPr lang="en-US" smtClean="0"/>
-              <a:t>12/15/2024</a:t>
+              <a:t>12/20/2024</a:t>
             </a:fld>
             <a:endParaRPr lang="en-US"/>
           </a:p>
@@ -5525,7 +5530,7 @@
           <a:p>
             <a:fld id="{691ECAE5-A506-4680-8454-D646745C9DFC}" type="datetimeFigureOut">
               <a:rPr lang="en-US" smtClean="0"/>
-              <a:t>12/15/2024</a:t>
+              <a:t>12/20/2024</a:t>
             </a:fld>
             <a:endParaRPr lang="en-US"/>
           </a:p>
@@ -5701,7 +5706,7 @@
           <a:p>
             <a:fld id="{691ECAE5-A506-4680-8454-D646745C9DFC}" type="datetimeFigureOut">
               <a:rPr lang="en-US" smtClean="0"/>
-              <a:t>12/15/2024</a:t>
+              <a:t>12/20/2024</a:t>
             </a:fld>
             <a:endParaRPr lang="en-US"/>
           </a:p>
@@ -5948,7 +5953,7 @@
           <a:p>
             <a:fld id="{691ECAE5-A506-4680-8454-D646745C9DFC}" type="datetimeFigureOut">
               <a:rPr lang="en-US" smtClean="0"/>
-              <a:t>12/15/2024</a:t>
+              <a:t>12/20/2024</a:t>
             </a:fld>
             <a:endParaRPr lang="en-US"/>
           </a:p>
@@ -6180,7 +6185,7 @@
           <a:p>
             <a:fld id="{691ECAE5-A506-4680-8454-D646745C9DFC}" type="datetimeFigureOut">
               <a:rPr lang="en-US" smtClean="0"/>
-              <a:t>12/15/2024</a:t>
+              <a:t>12/20/2024</a:t>
             </a:fld>
             <a:endParaRPr lang="en-US"/>
           </a:p>
@@ -6554,7 +6559,7 @@
           <a:p>
             <a:fld id="{691ECAE5-A506-4680-8454-D646745C9DFC}" type="datetimeFigureOut">
               <a:rPr lang="en-US" smtClean="0"/>
-              <a:t>12/15/2024</a:t>
+              <a:t>12/20/2024</a:t>
             </a:fld>
             <a:endParaRPr lang="en-US"/>
           </a:p>
@@ -6677,7 +6682,7 @@
           <a:p>
             <a:fld id="{691ECAE5-A506-4680-8454-D646745C9DFC}" type="datetimeFigureOut">
               <a:rPr lang="en-US" smtClean="0"/>
-              <a:t>12/15/2024</a:t>
+              <a:t>12/20/2024</a:t>
             </a:fld>
             <a:endParaRPr lang="en-US"/>
           </a:p>
@@ -6772,7 +6777,7 @@
           <a:p>
             <a:fld id="{691ECAE5-A506-4680-8454-D646745C9DFC}" type="datetimeFigureOut">
               <a:rPr lang="en-US" smtClean="0"/>
-              <a:t>12/15/2024</a:t>
+              <a:t>12/20/2024</a:t>
             </a:fld>
             <a:endParaRPr lang="en-US"/>
           </a:p>
@@ -7027,7 +7032,7 @@
           <a:p>
             <a:fld id="{691ECAE5-A506-4680-8454-D646745C9DFC}" type="datetimeFigureOut">
               <a:rPr lang="en-US" smtClean="0"/>
-              <a:t>12/15/2024</a:t>
+              <a:t>12/20/2024</a:t>
             </a:fld>
             <a:endParaRPr lang="en-US"/>
           </a:p>
@@ -7290,7 +7295,7 @@
           <a:p>
             <a:fld id="{691ECAE5-A506-4680-8454-D646745C9DFC}" type="datetimeFigureOut">
               <a:rPr lang="en-US" smtClean="0"/>
-              <a:t>12/15/2024</a:t>
+              <a:t>12/20/2024</a:t>
             </a:fld>
             <a:endParaRPr lang="en-US"/>
           </a:p>
@@ -8033,7 +8038,7 @@
           <a:p>
             <a:fld id="{691ECAE5-A506-4680-8454-D646745C9DFC}" type="datetimeFigureOut">
               <a:rPr lang="en-US" smtClean="0"/>
-              <a:t>12/15/2024</a:t>
+              <a:t>12/20/2024</a:t>
             </a:fld>
             <a:endParaRPr lang="en-US"/>
           </a:p>
@@ -8742,7 +8747,12 @@
             <p:ph idx="1"/>
           </p:nvPr>
         </p:nvSpPr>
-        <p:spPr/>
+        <p:spPr>
+          <a:xfrm>
+            <a:off x="677334" y="2160590"/>
+            <a:ext cx="8596668" cy="3254373"/>
+          </a:xfrm>
+        </p:spPr>
         <p:txBody>
           <a:bodyPr/>
           <a:lstStyle/>
@@ -8788,6 +8798,16 @@
             <a:r>
               <a:rPr lang="en-US" dirty="0"/>
               <a:t>Difficulty handling unseen or noisy images.</a:t>
+            </a:r>
+          </a:p>
+          <a:p>
+            <a:pPr>
+              <a:buFont typeface="Arial" panose="020B0604020202020204" pitchFamily="34" charset="0"/>
+              <a:buChar char="•"/>
+            </a:pPr>
+            <a:r>
+              <a:rPr lang="en-US" dirty="0"/>
+              <a:t>Limited augmentation can be done due to image dimension</a:t>
             </a:r>
           </a:p>
           <a:p>
@@ -8892,8 +8912,8 @@
         </p:nvSpPr>
         <p:spPr>
           <a:xfrm>
-            <a:off x="677334" y="2160589"/>
-            <a:ext cx="8596668" cy="3160711"/>
+            <a:off x="677334" y="2160590"/>
+            <a:ext cx="8596668" cy="2682874"/>
           </a:xfrm>
         </p:spPr>
         <p:txBody>
@@ -8913,7 +8933,17 @@
             </a:pPr>
             <a:r>
               <a:rPr lang="en-US" dirty="0"/>
-              <a:t>Add preprocessing for non-CIFAR images.</a:t>
+              <a:t>Add preprocessing for non-CIFAR images, this includes the addition of new images.</a:t>
+            </a:r>
+          </a:p>
+          <a:p>
+            <a:pPr>
+              <a:buFont typeface="Arial" panose="020B0604020202020204" pitchFamily="34" charset="0"/>
+              <a:buChar char="•"/>
+            </a:pPr>
+            <a:r>
+              <a:rPr lang="en-US" dirty="0"/>
+              <a:t>Test out the model on CIFAR-10 to see how well it performs</a:t>
             </a:r>
           </a:p>
           <a:p>
@@ -9031,7 +9061,7 @@
         <p:spPr>
           <a:xfrm>
             <a:off x="677334" y="2082801"/>
-            <a:ext cx="8596668" cy="3479799"/>
+            <a:ext cx="8596668" cy="3060699"/>
           </a:xfrm>
         </p:spPr>
         <p:txBody>
@@ -9096,7 +9126,7 @@
             </a:pPr>
             <a:r>
               <a:rPr lang="en-US" dirty="0"/>
-              <a:t>Expand app features and deploy for broader use.</a:t>
+              <a:t>Expand app feature.</a:t>
             </a:r>
           </a:p>
         </p:txBody>
@@ -9486,7 +9516,7 @@
             </a:pPr>
             <a:r>
               <a:rPr lang="en-US" dirty="0"/>
-              <a:t>CIFAR-100 images resized to 32x32 pixels.</a:t>
+              <a:t>CIFAR-100 images size checked to be 32x32 pixels.</a:t>
             </a:r>
           </a:p>
           <a:p>
@@ -9500,6 +9530,16 @@
             </a:r>
           </a:p>
           <a:p>
+            <a:pPr lvl="1">
+              <a:buFont typeface="Arial" panose="020B0604020202020204" pitchFamily="34" charset="0"/>
+              <a:buChar char="•"/>
+            </a:pPr>
+            <a:r>
+              <a:rPr lang="en-US" dirty="0"/>
+              <a:t>Data Augmentation to increase dataset size for enhanced model performance</a:t>
+            </a:r>
+          </a:p>
+          <a:p>
             <a:pPr>
               <a:buFont typeface="Arial" panose="020B0604020202020204" pitchFamily="34" charset="0"/>
               <a:buChar char="•"/>
@@ -9517,7 +9557,7 @@
             </a:pPr>
             <a:r>
               <a:rPr lang="en-US" dirty="0"/>
-              <a:t>Pre-trained CNN using Resnet.</a:t>
+              <a:t>Pre-trained CNN using Resnet50.</a:t>
             </a:r>
           </a:p>
           <a:p>

--- a/George Sylva CIFAR-100 Image Classification Web App.pptx
+++ b/George Sylva CIFAR-100 Image Classification Web App.pptx
@@ -9081,7 +9081,7 @@
             </a:pPr>
             <a:r>
               <a:rPr lang="en-US" dirty="0"/>
-              <a:t>Built a working CIFAR-100 classifier using a CNN and </a:t>
+              <a:t>I built a working CIFAR-100 classifier using a CNN and </a:t>
             </a:r>
             <a:r>
               <a:rPr lang="en-US" dirty="0" err="1"/>
@@ -9089,7 +9089,7 @@
             </a:r>
             <a:r>
               <a:rPr lang="en-US" dirty="0"/>
-              <a:t>.</a:t>
+              <a:t> web app.</a:t>
             </a:r>
           </a:p>
           <a:p>
@@ -9099,7 +9099,7 @@
             </a:pPr>
             <a:r>
               <a:rPr lang="en-US" dirty="0"/>
-              <a:t>Demonstrated how AI/ML models can be integrated into user-friendly applications.</a:t>
+              <a:t>I demonstrated how AI/ML models can be integrated into user-friendly applications.</a:t>
             </a:r>
           </a:p>
           <a:p>
@@ -9116,7 +9116,7 @@
             </a:pPr>
             <a:r>
               <a:rPr lang="en-US" dirty="0"/>
-              <a:t>Enhance model robustness.</a:t>
+              <a:t>I will look at enhancing model robustness on current dataset.</a:t>
             </a:r>
           </a:p>
           <a:p>
@@ -9126,7 +9126,7 @@
             </a:pPr>
             <a:r>
               <a:rPr lang="en-US" dirty="0"/>
-              <a:t>Expand app feature.</a:t>
+              <a:t>I will aim to expand the app feature for an even better user experience.</a:t>
             </a:r>
           </a:p>
         </p:txBody>
